--- a/PhoneBook2.pptx
+++ b/PhoneBook2.pptx
@@ -199,7 +199,7 @@
           <a:p>
             <a:fld id="{5AE2ED4F-C39D-4B2A-9D29-3B1836CA4B39}" type="datetimeFigureOut">
               <a:rPr lang="ko-KR" altLang="en-US" smtClean="0"/>
-              <a:t>2021-07-12</a:t>
+              <a:t>2021-07-13</a:t>
             </a:fld>
             <a:endParaRPr lang="ko-KR" altLang="en-US"/>
           </a:p>
@@ -886,7 +886,7 @@
           <a:p>
             <a:fld id="{061CCF65-6406-4621-9C87-1CD3F5DFB7F4}" type="datetimeFigureOut">
               <a:rPr lang="ko-KR" altLang="en-US" smtClean="0"/>
-              <a:t>2021-07-12</a:t>
+              <a:t>2021-07-13</a:t>
             </a:fld>
             <a:endParaRPr lang="ko-KR" altLang="en-US"/>
           </a:p>
@@ -1084,7 +1084,7 @@
           <a:p>
             <a:fld id="{061CCF65-6406-4621-9C87-1CD3F5DFB7F4}" type="datetimeFigureOut">
               <a:rPr lang="ko-KR" altLang="en-US" smtClean="0"/>
-              <a:t>2021-07-12</a:t>
+              <a:t>2021-07-13</a:t>
             </a:fld>
             <a:endParaRPr lang="ko-KR" altLang="en-US"/>
           </a:p>
@@ -1292,7 +1292,7 @@
           <a:p>
             <a:fld id="{061CCF65-6406-4621-9C87-1CD3F5DFB7F4}" type="datetimeFigureOut">
               <a:rPr lang="ko-KR" altLang="en-US" smtClean="0"/>
-              <a:t>2021-07-12</a:t>
+              <a:t>2021-07-13</a:t>
             </a:fld>
             <a:endParaRPr lang="ko-KR" altLang="en-US"/>
           </a:p>
@@ -1849,7 +1849,7 @@
           <a:p>
             <a:fld id="{061CCF65-6406-4621-9C87-1CD3F5DFB7F4}" type="datetimeFigureOut">
               <a:rPr lang="ko-KR" altLang="en-US" smtClean="0"/>
-              <a:t>2021-07-12</a:t>
+              <a:t>2021-07-13</a:t>
             </a:fld>
             <a:endParaRPr lang="ko-KR" altLang="en-US"/>
           </a:p>
@@ -2124,7 +2124,7 @@
           <a:p>
             <a:fld id="{061CCF65-6406-4621-9C87-1CD3F5DFB7F4}" type="datetimeFigureOut">
               <a:rPr lang="ko-KR" altLang="en-US" smtClean="0"/>
-              <a:t>2021-07-12</a:t>
+              <a:t>2021-07-13</a:t>
             </a:fld>
             <a:endParaRPr lang="ko-KR" altLang="en-US"/>
           </a:p>
@@ -2389,7 +2389,7 @@
           <a:p>
             <a:fld id="{061CCF65-6406-4621-9C87-1CD3F5DFB7F4}" type="datetimeFigureOut">
               <a:rPr lang="ko-KR" altLang="en-US" smtClean="0"/>
-              <a:t>2021-07-12</a:t>
+              <a:t>2021-07-13</a:t>
             </a:fld>
             <a:endParaRPr lang="ko-KR" altLang="en-US"/>
           </a:p>
@@ -2801,7 +2801,7 @@
           <a:p>
             <a:fld id="{061CCF65-6406-4621-9C87-1CD3F5DFB7F4}" type="datetimeFigureOut">
               <a:rPr lang="ko-KR" altLang="en-US" smtClean="0"/>
-              <a:t>2021-07-12</a:t>
+              <a:t>2021-07-13</a:t>
             </a:fld>
             <a:endParaRPr lang="ko-KR" altLang="en-US"/>
           </a:p>
@@ -2942,7 +2942,7 @@
           <a:p>
             <a:fld id="{061CCF65-6406-4621-9C87-1CD3F5DFB7F4}" type="datetimeFigureOut">
               <a:rPr lang="ko-KR" altLang="en-US" smtClean="0"/>
-              <a:t>2021-07-12</a:t>
+              <a:t>2021-07-13</a:t>
             </a:fld>
             <a:endParaRPr lang="ko-KR" altLang="en-US"/>
           </a:p>
@@ -3055,7 +3055,7 @@
           <a:p>
             <a:fld id="{061CCF65-6406-4621-9C87-1CD3F5DFB7F4}" type="datetimeFigureOut">
               <a:rPr lang="ko-KR" altLang="en-US" smtClean="0"/>
-              <a:t>2021-07-12</a:t>
+              <a:t>2021-07-13</a:t>
             </a:fld>
             <a:endParaRPr lang="ko-KR" altLang="en-US"/>
           </a:p>
@@ -3366,7 +3366,7 @@
           <a:p>
             <a:fld id="{061CCF65-6406-4621-9C87-1CD3F5DFB7F4}" type="datetimeFigureOut">
               <a:rPr lang="ko-KR" altLang="en-US" smtClean="0"/>
-              <a:t>2021-07-12</a:t>
+              <a:t>2021-07-13</a:t>
             </a:fld>
             <a:endParaRPr lang="ko-KR" altLang="en-US"/>
           </a:p>
@@ -3654,7 +3654,7 @@
           <a:p>
             <a:fld id="{061CCF65-6406-4621-9C87-1CD3F5DFB7F4}" type="datetimeFigureOut">
               <a:rPr lang="ko-KR" altLang="en-US" smtClean="0"/>
-              <a:t>2021-07-12</a:t>
+              <a:t>2021-07-13</a:t>
             </a:fld>
             <a:endParaRPr lang="ko-KR" altLang="en-US"/>
           </a:p>
@@ -3895,7 +3895,7 @@
           <a:p>
             <a:fld id="{061CCF65-6406-4621-9C87-1CD3F5DFB7F4}" type="datetimeFigureOut">
               <a:rPr lang="ko-KR" altLang="en-US" smtClean="0"/>
-              <a:t>2021-07-12</a:t>
+              <a:t>2021-07-13</a:t>
             </a:fld>
             <a:endParaRPr lang="ko-KR" altLang="en-US"/>
           </a:p>
@@ -8921,7 +8921,7 @@
         <p:spPr>
           <a:xfrm>
             <a:off x="8944551" y="3789171"/>
-            <a:ext cx="1149115" cy="417459"/>
+            <a:ext cx="1387955" cy="417459"/>
           </a:xfrm>
           <a:prstGeom prst="roundRect">
             <a:avLst>
@@ -8980,15 +8980,42 @@
               <a:defRPr/>
             </a:pPr>
             <a:r>
-              <a:rPr kumimoji="1" lang="ko-KR" altLang="en-US" sz="1100" b="1" i="0" baseline="0">
+              <a:rPr kumimoji="1" lang="en-US" altLang="ko-KR" sz="1100" b="1" dirty="0" err="1">
                 <a:solidFill>
                   <a:schemeClr val="tx1"/>
                 </a:solidFill>
                 <a:latin typeface="맑은 고딕"/>
                 <a:ea typeface="맑은 고딕"/>
               </a:rPr>
-              <a:t>list.jsp</a:t>
-            </a:r>
+              <a:t>updateForm</a:t>
+            </a:r>
+            <a:r>
+              <a:rPr kumimoji="1" lang="ko-KR" altLang="en-US" sz="1100" b="1" i="0" baseline="0" dirty="0">
+                <a:solidFill>
+                  <a:schemeClr val="tx1"/>
+                </a:solidFill>
+                <a:latin typeface="맑은 고딕"/>
+                <a:ea typeface="맑은 고딕"/>
+              </a:rPr>
+              <a:t>.</a:t>
+            </a:r>
+            <a:r>
+              <a:rPr kumimoji="1" lang="ko-KR" altLang="en-US" sz="1100" b="1" i="0" baseline="0" dirty="0" err="1">
+                <a:solidFill>
+                  <a:schemeClr val="tx1"/>
+                </a:solidFill>
+                <a:latin typeface="맑은 고딕"/>
+                <a:ea typeface="맑은 고딕"/>
+              </a:rPr>
+              <a:t>jsp</a:t>
+            </a:r>
+            <a:endParaRPr kumimoji="1" lang="ko-KR" altLang="en-US" sz="1100" b="1" i="0" baseline="0" dirty="0">
+              <a:solidFill>
+                <a:schemeClr val="tx1"/>
+              </a:solidFill>
+              <a:latin typeface="맑은 고딕"/>
+              <a:ea typeface="맑은 고딕"/>
+            </a:endParaRPr>
           </a:p>
           <a:p>
             <a:pPr marL="0" lvl="0" indent="0" algn="ctr" rtl="0" eaLnBrk="0" latinLnBrk="0" hangingPunct="0">
@@ -9005,7 +9032,7 @@
               <a:defRPr/>
             </a:pPr>
             <a:r>
-              <a:rPr kumimoji="1" lang="ko-KR" altLang="en-US" sz="1100" b="1" i="0" baseline="0">
+              <a:rPr kumimoji="1" lang="ko-KR" altLang="en-US" sz="1100" b="1" i="0" baseline="0" dirty="0">
                 <a:solidFill>
                   <a:schemeClr val="tx1"/>
                 </a:solidFill>
